--- a/07_Archive/Archive_master.pptx
+++ b/07_Archive/Archive_master.pptx
@@ -3674,7 +3674,7 @@
         </p:nvSpPr>
         <p:spPr>
           <a:xfrm>
-            <a:off x="-48875" y="2321510"/>
+            <a:off x="-7178338" y="1307098"/>
             <a:ext cx="6955750" cy="5262979"/>
           </a:xfrm>
           <a:prstGeom prst="rect">
@@ -3745,6 +3745,434 @@
               <a:rPr kumimoji="1" lang="en-US" altLang="ja-JP" sz="4400" dirty="0"/>
               <a:t>)</a:t>
             </a:r>
+          </a:p>
+        </p:txBody>
+      </p:sp>
+      <p:pic>
+        <p:nvPicPr>
+          <p:cNvPr id="7" name="図 6" descr="水, スイミング, プール, ブルー が含まれている画像&#10;&#10;自動的に生成された説明">
+            <a:extLst>
+              <a:ext uri="{FF2B5EF4-FFF2-40B4-BE49-F238E27FC236}">
+                <a16:creationId xmlns:a16="http://schemas.microsoft.com/office/drawing/2014/main" id="{86E98AB3-B741-474F-7AE9-510CC9DEA99A}"/>
+              </a:ext>
+            </a:extLst>
+          </p:cNvPr>
+          <p:cNvPicPr>
+            <a:picLocks noChangeAspect="1"/>
+          </p:cNvPicPr>
+          <p:nvPr/>
+        </p:nvPicPr>
+        <p:blipFill>
+          <a:blip r:embed="rId3">
+            <a:extLst>
+              <a:ext uri="{28A0092B-C50C-407E-A947-70E740481C1C}">
+                <a14:useLocalDpi xmlns:a14="http://schemas.microsoft.com/office/drawing/2010/main" val="0"/>
+              </a:ext>
+            </a:extLst>
+          </a:blip>
+          <a:srcRect l="6080" t="14717" r="47643" b="14802"/>
+          <a:stretch/>
+        </p:blipFill>
+        <p:spPr>
+          <a:xfrm>
+            <a:off x="1228545" y="5976937"/>
+            <a:ext cx="4586289" cy="3929063"/>
+          </a:xfrm>
+          <a:prstGeom prst="rect">
+            <a:avLst/>
+          </a:prstGeom>
+        </p:spPr>
+      </p:pic>
+      <p:grpSp>
+        <p:nvGrpSpPr>
+          <p:cNvPr id="8" name="グループ化 7">
+            <a:extLst>
+              <a:ext uri="{FF2B5EF4-FFF2-40B4-BE49-F238E27FC236}">
+                <a16:creationId xmlns:a16="http://schemas.microsoft.com/office/drawing/2014/main" id="{577CA849-8812-0F7B-D69A-62BDB1A8F09E}"/>
+              </a:ext>
+            </a:extLst>
+          </p:cNvPr>
+          <p:cNvGrpSpPr/>
+          <p:nvPr/>
+        </p:nvGrpSpPr>
+        <p:grpSpPr>
+          <a:xfrm>
+            <a:off x="303141" y="29284"/>
+            <a:ext cx="2877631" cy="1163514"/>
+            <a:chOff x="365867" y="2958337"/>
+            <a:chExt cx="5505824" cy="2226173"/>
+          </a:xfrm>
+          <a:effectLst>
+            <a:outerShdw blurRad="50800" dist="38100" dir="2700000" algn="tl" rotWithShape="0">
+              <a:prstClr val="black">
+                <a:alpha val="40000"/>
+              </a:prstClr>
+            </a:outerShdw>
+          </a:effectLst>
+        </p:grpSpPr>
+        <p:pic>
+          <p:nvPicPr>
+            <p:cNvPr id="9" name="図 8" descr="図形&#10;&#10;自動的に生成された説明">
+              <a:extLst>
+                <a:ext uri="{FF2B5EF4-FFF2-40B4-BE49-F238E27FC236}">
+                  <a16:creationId xmlns:a16="http://schemas.microsoft.com/office/drawing/2014/main" id="{4BB14028-BDB1-39CF-0F1A-BA8A298EF8AC}"/>
+                </a:ext>
+              </a:extLst>
+            </p:cNvPr>
+            <p:cNvPicPr>
+              <a:picLocks noChangeAspect="1"/>
+            </p:cNvPicPr>
+            <p:nvPr/>
+          </p:nvPicPr>
+          <p:blipFill>
+            <a:blip r:embed="rId4">
+              <a:extLst>
+                <a:ext uri="{28A0092B-C50C-407E-A947-70E740481C1C}">
+                  <a14:useLocalDpi xmlns:a14="http://schemas.microsoft.com/office/drawing/2010/main" val="0"/>
+                </a:ext>
+              </a:extLst>
+            </a:blip>
+            <a:stretch>
+              <a:fillRect/>
+            </a:stretch>
+          </p:blipFill>
+          <p:spPr>
+            <a:xfrm rot="10800000">
+              <a:off x="2823685" y="3050906"/>
+              <a:ext cx="3048006" cy="2133604"/>
+            </a:xfrm>
+            <a:prstGeom prst="rect">
+              <a:avLst/>
+            </a:prstGeom>
+          </p:spPr>
+        </p:pic>
+        <p:pic>
+          <p:nvPicPr>
+            <p:cNvPr id="10" name="図 9" descr="図形&#10;&#10;自動的に生成された説明">
+              <a:extLst>
+                <a:ext uri="{FF2B5EF4-FFF2-40B4-BE49-F238E27FC236}">
+                  <a16:creationId xmlns:a16="http://schemas.microsoft.com/office/drawing/2014/main" id="{109F9292-806D-622A-96CD-5DB1974D67F6}"/>
+                </a:ext>
+              </a:extLst>
+            </p:cNvPr>
+            <p:cNvPicPr>
+              <a:picLocks noChangeAspect="1"/>
+            </p:cNvPicPr>
+            <p:nvPr/>
+          </p:nvPicPr>
+          <p:blipFill>
+            <a:blip r:embed="rId4">
+              <a:extLst>
+                <a:ext uri="{28A0092B-C50C-407E-A947-70E740481C1C}">
+                  <a14:useLocalDpi xmlns:a14="http://schemas.microsoft.com/office/drawing/2010/main" val="0"/>
+                </a:ext>
+              </a:extLst>
+            </a:blip>
+            <a:stretch>
+              <a:fillRect/>
+            </a:stretch>
+          </p:blipFill>
+          <p:spPr>
+            <a:xfrm>
+              <a:off x="365867" y="2958337"/>
+              <a:ext cx="3048006" cy="2133604"/>
+            </a:xfrm>
+            <a:prstGeom prst="rect">
+              <a:avLst/>
+            </a:prstGeom>
+          </p:spPr>
+        </p:pic>
+      </p:grpSp>
+      <p:sp>
+        <p:nvSpPr>
+          <p:cNvPr id="11" name="テキスト ボックス 10">
+            <a:extLst>
+              <a:ext uri="{FF2B5EF4-FFF2-40B4-BE49-F238E27FC236}">
+                <a16:creationId xmlns:a16="http://schemas.microsoft.com/office/drawing/2014/main" id="{218B005F-D1B6-071B-717C-6227A9287E57}"/>
+              </a:ext>
+            </a:extLst>
+          </p:cNvPr>
+          <p:cNvSpPr txBox="1"/>
+          <p:nvPr/>
+        </p:nvSpPr>
+        <p:spPr>
+          <a:xfrm>
+            <a:off x="-151820" y="232907"/>
+            <a:ext cx="3829050" cy="707886"/>
+          </a:xfrm>
+          <a:prstGeom prst="rect">
+            <a:avLst/>
+          </a:prstGeom>
+          <a:noFill/>
+        </p:spPr>
+        <p:txBody>
+          <a:bodyPr wrap="square" rtlCol="0">
+            <a:spAutoFit/>
+          </a:bodyPr>
+          <a:lstStyle/>
+          <a:p>
+            <a:pPr algn="ctr"/>
+            <a:r>
+              <a:rPr kumimoji="1" lang="ja-JP" altLang="en-US" sz="4000" dirty="0">
+                <a:ln w="3175">
+                  <a:solidFill>
+                    <a:schemeClr val="accent1"/>
+                  </a:solidFill>
+                </a:ln>
+                <a:solidFill>
+                  <a:schemeClr val="bg1"/>
+                </a:solidFill>
+                <a:effectLst>
+                  <a:glow rad="114300">
+                    <a:schemeClr val="accent4"/>
+                  </a:glow>
+                  <a:outerShdw blurRad="50800" dist="38100" dir="2700000" algn="tl" rotWithShape="0">
+                    <a:prstClr val="black">
+                      <a:alpha val="40000"/>
+                    </a:prstClr>
+                  </a:outerShdw>
+                </a:effectLst>
+                <a:latin typeface="どきどきファンタジア" panose="02000900000000000000" pitchFamily="50" charset="-128"/>
+                <a:ea typeface="どきどきファンタジア" panose="02000900000000000000" pitchFamily="50" charset="-128"/>
+              </a:rPr>
+              <a:t>マスター版</a:t>
+            </a:r>
+          </a:p>
+        </p:txBody>
+      </p:sp>
+      <p:sp>
+        <p:nvSpPr>
+          <p:cNvPr id="12" name="テキスト ボックス 11">
+            <a:extLst>
+              <a:ext uri="{FF2B5EF4-FFF2-40B4-BE49-F238E27FC236}">
+                <a16:creationId xmlns:a16="http://schemas.microsoft.com/office/drawing/2014/main" id="{6998FA41-D696-80F6-CE94-632878257895}"/>
+              </a:ext>
+            </a:extLst>
+          </p:cNvPr>
+          <p:cNvSpPr txBox="1"/>
+          <p:nvPr/>
+        </p:nvSpPr>
+        <p:spPr>
+          <a:xfrm>
+            <a:off x="242818" y="6618089"/>
+            <a:ext cx="6372363" cy="1446550"/>
+          </a:xfrm>
+          <a:prstGeom prst="rect">
+            <a:avLst/>
+          </a:prstGeom>
+          <a:noFill/>
+        </p:spPr>
+        <p:txBody>
+          <a:bodyPr wrap="square" rtlCol="0">
+            <a:spAutoFit/>
+          </a:bodyPr>
+          <a:lstStyle/>
+          <a:p>
+            <a:pPr algn="ctr"/>
+            <a:r>
+              <a:rPr kumimoji="1" lang="ja-JP" altLang="en-US" sz="4400" dirty="0">
+                <a:solidFill>
+                  <a:schemeClr val="bg1"/>
+                </a:solidFill>
+                <a:effectLst>
+                  <a:glow rad="127000">
+                    <a:schemeClr val="tx1"/>
+                  </a:glow>
+                </a:effectLst>
+                <a:latin typeface="HGS創英角ｺﾞｼｯｸUB" panose="020B0900000000000000" pitchFamily="50" charset="-128"/>
+                <a:ea typeface="HGS創英角ｺﾞｼｯｸUB" panose="020B0900000000000000" pitchFamily="50" charset="-128"/>
+              </a:rPr>
+              <a:t>敵出現時にエフェクトで水滴が出ているように</a:t>
+            </a:r>
+            <a:endParaRPr kumimoji="1" lang="en-US" altLang="ja-JP" sz="4400" dirty="0">
+              <a:solidFill>
+                <a:schemeClr val="bg1"/>
+              </a:solidFill>
+              <a:effectLst>
+                <a:glow rad="127000">
+                  <a:schemeClr val="tx1"/>
+                </a:glow>
+              </a:effectLst>
+              <a:latin typeface="HGS創英角ｺﾞｼｯｸUB" panose="020B0900000000000000" pitchFamily="50" charset="-128"/>
+              <a:ea typeface="HGS創英角ｺﾞｼｯｸUB" panose="020B0900000000000000" pitchFamily="50" charset="-128"/>
+            </a:endParaRPr>
+          </a:p>
+        </p:txBody>
+      </p:sp>
+      <p:sp>
+        <p:nvSpPr>
+          <p:cNvPr id="13" name="テキスト ボックス 12">
+            <a:extLst>
+              <a:ext uri="{FF2B5EF4-FFF2-40B4-BE49-F238E27FC236}">
+                <a16:creationId xmlns:a16="http://schemas.microsoft.com/office/drawing/2014/main" id="{6B6CDC54-65E5-87C7-E6CE-4C98AC287103}"/>
+              </a:ext>
+            </a:extLst>
+          </p:cNvPr>
+          <p:cNvSpPr txBox="1"/>
+          <p:nvPr/>
+        </p:nvSpPr>
+        <p:spPr>
+          <a:xfrm>
+            <a:off x="491048" y="2844801"/>
+            <a:ext cx="6372363" cy="2123658"/>
+          </a:xfrm>
+          <a:prstGeom prst="rect">
+            <a:avLst/>
+          </a:prstGeom>
+          <a:noFill/>
+        </p:spPr>
+        <p:txBody>
+          <a:bodyPr wrap="square" rtlCol="0">
+            <a:spAutoFit/>
+          </a:bodyPr>
+          <a:lstStyle/>
+          <a:p>
+            <a:pPr algn="ctr"/>
+            <a:r>
+              <a:rPr kumimoji="1" lang="ja-JP" altLang="en-US" sz="4400" dirty="0">
+                <a:solidFill>
+                  <a:schemeClr val="bg1"/>
+                </a:solidFill>
+                <a:effectLst>
+                  <a:glow rad="127000">
+                    <a:schemeClr val="tx1"/>
+                  </a:glow>
+                </a:effectLst>
+                <a:latin typeface="HGS創英角ｺﾞｼｯｸUB" panose="020B0900000000000000" pitchFamily="50" charset="-128"/>
+                <a:ea typeface="HGS創英角ｺﾞｼｯｸUB" panose="020B0900000000000000" pitchFamily="50" charset="-128"/>
+              </a:rPr>
+              <a:t>マルチプレイ時に氷が出てこない時間が続いたりした</a:t>
+            </a:r>
+            <a:endParaRPr kumimoji="1" lang="en-US" altLang="ja-JP" sz="4400" dirty="0">
+              <a:solidFill>
+                <a:schemeClr val="bg1"/>
+              </a:solidFill>
+              <a:effectLst>
+                <a:glow rad="127000">
+                  <a:schemeClr val="tx1"/>
+                </a:glow>
+              </a:effectLst>
+              <a:latin typeface="HGS創英角ｺﾞｼｯｸUB" panose="020B0900000000000000" pitchFamily="50" charset="-128"/>
+              <a:ea typeface="HGS創英角ｺﾞｼｯｸUB" panose="020B0900000000000000" pitchFamily="50" charset="-128"/>
+            </a:endParaRPr>
+          </a:p>
+        </p:txBody>
+      </p:sp>
+      <p:sp>
+        <p:nvSpPr>
+          <p:cNvPr id="14" name="テキスト ボックス 13">
+            <a:extLst>
+              <a:ext uri="{FF2B5EF4-FFF2-40B4-BE49-F238E27FC236}">
+                <a16:creationId xmlns:a16="http://schemas.microsoft.com/office/drawing/2014/main" id="{E596ED94-C00A-84E9-B825-7902D92B5189}"/>
+              </a:ext>
+            </a:extLst>
+          </p:cNvPr>
+          <p:cNvSpPr txBox="1"/>
+          <p:nvPr/>
+        </p:nvSpPr>
+        <p:spPr>
+          <a:xfrm>
+            <a:off x="0" y="1449229"/>
+            <a:ext cx="6372363" cy="769441"/>
+          </a:xfrm>
+          <a:prstGeom prst="rect">
+            <a:avLst/>
+          </a:prstGeom>
+          <a:noFill/>
+        </p:spPr>
+        <p:txBody>
+          <a:bodyPr wrap="square" rtlCol="0">
+            <a:spAutoFit/>
+          </a:bodyPr>
+          <a:lstStyle/>
+          <a:p>
+            <a:pPr algn="ctr"/>
+            <a:r>
+              <a:rPr kumimoji="1" lang="ja-JP" altLang="en-US" sz="4400" dirty="0">
+                <a:solidFill>
+                  <a:schemeClr val="bg1"/>
+                </a:solidFill>
+                <a:effectLst>
+                  <a:glow rad="127000">
+                    <a:schemeClr val="tx1"/>
+                  </a:glow>
+                </a:effectLst>
+                <a:latin typeface="HGS創英角ｺﾞｼｯｸUB" panose="020B0900000000000000" pitchFamily="50" charset="-128"/>
+                <a:ea typeface="HGS創英角ｺﾞｼｯｸUB" panose="020B0900000000000000" pitchFamily="50" charset="-128"/>
+              </a:rPr>
+              <a:t>マルチプレイで沼った</a:t>
+            </a:r>
+            <a:endParaRPr kumimoji="1" lang="en-US" altLang="ja-JP" sz="4400" dirty="0">
+              <a:solidFill>
+                <a:schemeClr val="bg1"/>
+              </a:solidFill>
+              <a:effectLst>
+                <a:glow rad="127000">
+                  <a:schemeClr val="tx1"/>
+                </a:glow>
+              </a:effectLst>
+              <a:latin typeface="HGS創英角ｺﾞｼｯｸUB" panose="020B0900000000000000" pitchFamily="50" charset="-128"/>
+              <a:ea typeface="HGS創英角ｺﾞｼｯｸUB" panose="020B0900000000000000" pitchFamily="50" charset="-128"/>
+            </a:endParaRPr>
+          </a:p>
+        </p:txBody>
+      </p:sp>
+      <p:sp>
+        <p:nvSpPr>
+          <p:cNvPr id="15" name="テキスト ボックス 14">
+            <a:extLst>
+              <a:ext uri="{FF2B5EF4-FFF2-40B4-BE49-F238E27FC236}">
+                <a16:creationId xmlns:a16="http://schemas.microsoft.com/office/drawing/2014/main" id="{74C8C42B-D5AD-7BB3-5E47-FA858A141B98}"/>
+              </a:ext>
+            </a:extLst>
+          </p:cNvPr>
+          <p:cNvSpPr txBox="1"/>
+          <p:nvPr/>
+        </p:nvSpPr>
+        <p:spPr>
+          <a:xfrm>
+            <a:off x="6372363" y="2009063"/>
+            <a:ext cx="6372363" cy="769441"/>
+          </a:xfrm>
+          <a:prstGeom prst="rect">
+            <a:avLst/>
+          </a:prstGeom>
+          <a:noFill/>
+        </p:spPr>
+        <p:txBody>
+          <a:bodyPr wrap="square" rtlCol="0">
+            <a:spAutoFit/>
+          </a:bodyPr>
+          <a:lstStyle/>
+          <a:p>
+            <a:pPr algn="ctr"/>
+            <a:r>
+              <a:rPr kumimoji="1" lang="ja-JP" altLang="en-US" sz="4400" dirty="0">
+                <a:solidFill>
+                  <a:schemeClr val="bg1"/>
+                </a:solidFill>
+                <a:effectLst>
+                  <a:glow rad="127000">
+                    <a:schemeClr val="tx1"/>
+                  </a:glow>
+                </a:effectLst>
+                <a:latin typeface="HGS創英角ｺﾞｼｯｸUB" panose="020B0900000000000000" pitchFamily="50" charset="-128"/>
+                <a:ea typeface="HGS創英角ｺﾞｼｯｸUB" panose="020B0900000000000000" pitchFamily="50" charset="-128"/>
+              </a:rPr>
+              <a:t>最期までバグとのバトル</a:t>
+            </a:r>
+            <a:endParaRPr kumimoji="1" lang="en-US" altLang="ja-JP" sz="4400" dirty="0">
+              <a:solidFill>
+                <a:schemeClr val="bg1"/>
+              </a:solidFill>
+              <a:effectLst>
+                <a:glow rad="127000">
+                  <a:schemeClr val="tx1"/>
+                </a:glow>
+              </a:effectLst>
+              <a:latin typeface="HGS創英角ｺﾞｼｯｸUB" panose="020B0900000000000000" pitchFamily="50" charset="-128"/>
+              <a:ea typeface="HGS創英角ｺﾞｼｯｸUB" panose="020B0900000000000000" pitchFamily="50" charset="-128"/>
+            </a:endParaRPr>
           </a:p>
         </p:txBody>
       </p:sp>

--- a/07_Archive/Archive_master.pptx
+++ b/07_Archive/Archive_master.pptx
@@ -3674,7 +3674,7 @@
         </p:nvSpPr>
         <p:spPr>
           <a:xfrm>
-            <a:off x="-7178338" y="1307098"/>
+            <a:off x="-7294901" y="244789"/>
             <a:ext cx="6955750" cy="5262979"/>
           </a:xfrm>
           <a:prstGeom prst="rect">
@@ -4131,7 +4131,7 @@
         </p:nvSpPr>
         <p:spPr>
           <a:xfrm>
-            <a:off x="6372363" y="2009063"/>
+            <a:off x="7600907" y="1064508"/>
             <a:ext cx="6372363" cy="769441"/>
           </a:xfrm>
           <a:prstGeom prst="rect">
@@ -4162,6 +4162,243 @@
               <a:t>最期までバグとのバトル</a:t>
             </a:r>
             <a:endParaRPr kumimoji="1" lang="en-US" altLang="ja-JP" sz="4400" dirty="0">
+              <a:solidFill>
+                <a:schemeClr val="bg1"/>
+              </a:solidFill>
+              <a:effectLst>
+                <a:glow rad="127000">
+                  <a:schemeClr val="tx1"/>
+                </a:glow>
+              </a:effectLst>
+              <a:latin typeface="HGS創英角ｺﾞｼｯｸUB" panose="020B0900000000000000" pitchFamily="50" charset="-128"/>
+              <a:ea typeface="HGS創英角ｺﾞｼｯｸUB" panose="020B0900000000000000" pitchFamily="50" charset="-128"/>
+            </a:endParaRPr>
+          </a:p>
+        </p:txBody>
+      </p:sp>
+      <p:sp>
+        <p:nvSpPr>
+          <p:cNvPr id="16" name="テキスト ボックス 15">
+            <a:extLst>
+              <a:ext uri="{FF2B5EF4-FFF2-40B4-BE49-F238E27FC236}">
+                <a16:creationId xmlns:a16="http://schemas.microsoft.com/office/drawing/2014/main" id="{96576F94-199A-4EFE-B6EB-5FAD71B9306C}"/>
+              </a:ext>
+            </a:extLst>
+          </p:cNvPr>
+          <p:cNvSpPr txBox="1"/>
+          <p:nvPr/>
+        </p:nvSpPr>
+        <p:spPr>
+          <a:xfrm>
+            <a:off x="7600906" y="5196076"/>
+            <a:ext cx="6372363" cy="1938992"/>
+          </a:xfrm>
+          <a:prstGeom prst="rect">
+            <a:avLst/>
+          </a:prstGeom>
+          <a:noFill/>
+        </p:spPr>
+        <p:txBody>
+          <a:bodyPr wrap="square" rtlCol="0">
+            <a:spAutoFit/>
+          </a:bodyPr>
+          <a:lstStyle/>
+          <a:p>
+            <a:pPr algn="ctr"/>
+            <a:r>
+              <a:rPr kumimoji="1" lang="ja-JP" altLang="en-US" sz="4000" dirty="0">
+                <a:solidFill>
+                  <a:schemeClr val="bg1"/>
+                </a:solidFill>
+                <a:effectLst>
+                  <a:glow rad="127000">
+                    <a:schemeClr val="tx1"/>
+                  </a:glow>
+                </a:effectLst>
+                <a:latin typeface="HGS創英角ｺﾞｼｯｸUB" panose="020B0900000000000000" pitchFamily="50" charset="-128"/>
+                <a:ea typeface="HGS創英角ｺﾞｼｯｸUB" panose="020B0900000000000000" pitchFamily="50" charset="-128"/>
+              </a:rPr>
+              <a:t>マルチの沼対策</a:t>
+            </a:r>
+            <a:endParaRPr kumimoji="1" lang="en-US" altLang="ja-JP" sz="4000" dirty="0">
+              <a:solidFill>
+                <a:schemeClr val="bg1"/>
+              </a:solidFill>
+              <a:effectLst>
+                <a:glow rad="127000">
+                  <a:schemeClr val="tx1"/>
+                </a:glow>
+              </a:effectLst>
+              <a:latin typeface="HGS創英角ｺﾞｼｯｸUB" panose="020B0900000000000000" pitchFamily="50" charset="-128"/>
+              <a:ea typeface="HGS創英角ｺﾞｼｯｸUB" panose="020B0900000000000000" pitchFamily="50" charset="-128"/>
+            </a:endParaRPr>
+          </a:p>
+          <a:p>
+            <a:pPr algn="ctr"/>
+            <a:r>
+              <a:rPr kumimoji="1" lang="ja-JP" altLang="en-US" sz="4000" dirty="0">
+                <a:solidFill>
+                  <a:schemeClr val="bg1"/>
+                </a:solidFill>
+                <a:effectLst>
+                  <a:glow rad="127000">
+                    <a:schemeClr val="tx1"/>
+                  </a:glow>
+                </a:effectLst>
+                <a:latin typeface="HGS創英角ｺﾞｼｯｸUB" panose="020B0900000000000000" pitchFamily="50" charset="-128"/>
+                <a:ea typeface="HGS創英角ｺﾞｼｯｸUB" panose="020B0900000000000000" pitchFamily="50" charset="-128"/>
+              </a:rPr>
+              <a:t>敵のペンギンに攻撃出来てスタンさせたりできるとか</a:t>
+            </a:r>
+            <a:endParaRPr kumimoji="1" lang="en-US" altLang="ja-JP" sz="4000" dirty="0">
+              <a:solidFill>
+                <a:schemeClr val="bg1"/>
+              </a:solidFill>
+              <a:effectLst>
+                <a:glow rad="127000">
+                  <a:schemeClr val="tx1"/>
+                </a:glow>
+              </a:effectLst>
+              <a:latin typeface="HGS創英角ｺﾞｼｯｸUB" panose="020B0900000000000000" pitchFamily="50" charset="-128"/>
+              <a:ea typeface="HGS創英角ｺﾞｼｯｸUB" panose="020B0900000000000000" pitchFamily="50" charset="-128"/>
+            </a:endParaRPr>
+          </a:p>
+        </p:txBody>
+      </p:sp>
+      <p:sp>
+        <p:nvSpPr>
+          <p:cNvPr id="17" name="テキスト ボックス 16">
+            <a:extLst>
+              <a:ext uri="{FF2B5EF4-FFF2-40B4-BE49-F238E27FC236}">
+                <a16:creationId xmlns:a16="http://schemas.microsoft.com/office/drawing/2014/main" id="{39592FBB-6039-4E27-9691-62DB5316D899}"/>
+              </a:ext>
+            </a:extLst>
+          </p:cNvPr>
+          <p:cNvSpPr txBox="1"/>
+          <p:nvPr/>
+        </p:nvSpPr>
+        <p:spPr>
+          <a:xfrm>
+            <a:off x="7600906" y="7941468"/>
+            <a:ext cx="6372363" cy="1938992"/>
+          </a:xfrm>
+          <a:prstGeom prst="rect">
+            <a:avLst/>
+          </a:prstGeom>
+          <a:noFill/>
+        </p:spPr>
+        <p:txBody>
+          <a:bodyPr wrap="square" rtlCol="0">
+            <a:spAutoFit/>
+          </a:bodyPr>
+          <a:lstStyle/>
+          <a:p>
+            <a:pPr algn="ctr"/>
+            <a:r>
+              <a:rPr kumimoji="1" lang="ja-JP" altLang="en-US" sz="4000" dirty="0">
+                <a:solidFill>
+                  <a:schemeClr val="bg1"/>
+                </a:solidFill>
+                <a:effectLst>
+                  <a:glow rad="127000">
+                    <a:schemeClr val="tx1"/>
+                  </a:glow>
+                </a:effectLst>
+                <a:latin typeface="HGS創英角ｺﾞｼｯｸUB" panose="020B0900000000000000" pitchFamily="50" charset="-128"/>
+                <a:ea typeface="HGS創英角ｺﾞｼｯｸUB" panose="020B0900000000000000" pitchFamily="50" charset="-128"/>
+              </a:rPr>
+              <a:t>チュートリアルをもっと分かりやすくできたと思う</a:t>
+            </a:r>
+            <a:endParaRPr kumimoji="1" lang="en-US" altLang="ja-JP" sz="4000" dirty="0">
+              <a:solidFill>
+                <a:schemeClr val="bg1"/>
+              </a:solidFill>
+              <a:effectLst>
+                <a:glow rad="127000">
+                  <a:schemeClr val="tx1"/>
+                </a:glow>
+              </a:effectLst>
+              <a:latin typeface="HGS創英角ｺﾞｼｯｸUB" panose="020B0900000000000000" pitchFamily="50" charset="-128"/>
+              <a:ea typeface="HGS創英角ｺﾞｼｯｸUB" panose="020B0900000000000000" pitchFamily="50" charset="-128"/>
+            </a:endParaRPr>
+          </a:p>
+          <a:p>
+            <a:pPr algn="ctr"/>
+            <a:r>
+              <a:rPr kumimoji="1" lang="ja-JP" altLang="en-US" sz="4000" dirty="0">
+                <a:solidFill>
+                  <a:schemeClr val="bg1"/>
+                </a:solidFill>
+                <a:effectLst>
+                  <a:glow rad="127000">
+                    <a:schemeClr val="tx1"/>
+                  </a:glow>
+                </a:effectLst>
+                <a:latin typeface="HGS創英角ｺﾞｼｯｸUB" panose="020B0900000000000000" pitchFamily="50" charset="-128"/>
+                <a:ea typeface="HGS創英角ｺﾞｼｯｸUB" panose="020B0900000000000000" pitchFamily="50" charset="-128"/>
+              </a:rPr>
+              <a:t>ジャンプや敵の説明など</a:t>
+            </a:r>
+            <a:endParaRPr kumimoji="1" lang="en-US" altLang="ja-JP" sz="4000" dirty="0">
+              <a:solidFill>
+                <a:schemeClr val="bg1"/>
+              </a:solidFill>
+              <a:effectLst>
+                <a:glow rad="127000">
+                  <a:schemeClr val="tx1"/>
+                </a:glow>
+              </a:effectLst>
+              <a:latin typeface="HGS創英角ｺﾞｼｯｸUB" panose="020B0900000000000000" pitchFamily="50" charset="-128"/>
+              <a:ea typeface="HGS創英角ｺﾞｼｯｸUB" panose="020B0900000000000000" pitchFamily="50" charset="-128"/>
+            </a:endParaRPr>
+          </a:p>
+        </p:txBody>
+      </p:sp>
+      <p:sp>
+        <p:nvSpPr>
+          <p:cNvPr id="18" name="テキスト ボックス 17">
+            <a:extLst>
+              <a:ext uri="{FF2B5EF4-FFF2-40B4-BE49-F238E27FC236}">
+                <a16:creationId xmlns:a16="http://schemas.microsoft.com/office/drawing/2014/main" id="{93246F25-8293-4CEA-AC01-6D92E1976040}"/>
+              </a:ext>
+            </a:extLst>
+          </p:cNvPr>
+          <p:cNvSpPr txBox="1"/>
+          <p:nvPr/>
+        </p:nvSpPr>
+        <p:spPr>
+          <a:xfrm>
+            <a:off x="-7382298" y="8693187"/>
+            <a:ext cx="6372363" cy="1200329"/>
+          </a:xfrm>
+          <a:prstGeom prst="rect">
+            <a:avLst/>
+          </a:prstGeom>
+          <a:noFill/>
+        </p:spPr>
+        <p:txBody>
+          <a:bodyPr wrap="square" rtlCol="0">
+            <a:spAutoFit/>
+          </a:bodyPr>
+          <a:lstStyle/>
+          <a:p>
+            <a:pPr algn="ctr"/>
+            <a:r>
+              <a:rPr kumimoji="1" lang="ja-JP" altLang="en-US" sz="3600" dirty="0">
+                <a:solidFill>
+                  <a:schemeClr val="bg1"/>
+                </a:solidFill>
+                <a:effectLst>
+                  <a:glow rad="127000">
+                    <a:schemeClr val="tx1"/>
+                  </a:glow>
+                </a:effectLst>
+                <a:latin typeface="HGS創英角ｺﾞｼｯｸUB" panose="020B0900000000000000" pitchFamily="50" charset="-128"/>
+                <a:ea typeface="HGS創英角ｺﾞｼｯｸUB" panose="020B0900000000000000" pitchFamily="50" charset="-128"/>
+              </a:rPr>
+              <a:t>マルチのキャラをスキンごとに分けたのは良かったと思う</a:t>
+            </a:r>
+            <a:endParaRPr kumimoji="1" lang="en-US" altLang="ja-JP" sz="3600" dirty="0">
               <a:solidFill>
                 <a:schemeClr val="bg1"/>
               </a:solidFill>
